--- a/ПрезентацияКолчин.pptx
+++ b/ПрезентацияКолчин.pptx
@@ -8385,7 +8385,9 @@
         </p:nvSpPr>
         <p:spPr/>
         <p:txBody>
-          <a:bodyPr/>
+          <a:bodyPr>
+            <a:normAutofit lnSpcReduction="10000"/>
+          </a:bodyPr>
           <a:lstStyle/>
           <a:p>
             <a:pPr marL="514350" indent="-514350">
@@ -8416,7 +8418,19 @@
             </a:r>
             <a:r>
               <a:rPr lang="ru-RU" dirty="0" smtClean="0"/>
-              <a:t>. Наш продукт позволяет проставить затраченное время и время выполнения для каждого дня</a:t>
+              <a:t>. Наш продукт позволяет проставить затраченное время и время выполнения(когда </a:t>
+            </a:r>
+            <a:r>
+              <a:rPr lang="ru-RU" smtClean="0"/>
+              <a:t>было сделано) </a:t>
+            </a:r>
+            <a:r>
+              <a:rPr lang="ru-RU" dirty="0" smtClean="0"/>
+              <a:t>для </a:t>
+            </a:r>
+            <a:r>
+              <a:rPr lang="ru-RU" smtClean="0"/>
+              <a:t>каждой части задачи</a:t>
             </a:r>
             <a:endParaRPr lang="ru-RU" dirty="0" smtClean="0"/>
           </a:p>
